--- a/javascript/개요.pptx
+++ b/javascript/개요.pptx
@@ -260,7 +260,7 @@
           <a:p>
             <a:fld id="{85418FE3-18A8-41B3-993C-7D5C860FC228}" type="datetimeFigureOut">
               <a:rPr lang="ko-KR" altLang="en-US" smtClean="0"/>
-              <a:t>2021-01-27</a:t>
+              <a:t>2021-02-09</a:t>
             </a:fld>
             <a:endParaRPr lang="ko-KR" altLang="en-US" dirty="0"/>
           </a:p>
@@ -430,7 +430,7 @@
           <a:p>
             <a:fld id="{85418FE3-18A8-41B3-993C-7D5C860FC228}" type="datetimeFigureOut">
               <a:rPr lang="ko-KR" altLang="en-US" smtClean="0"/>
-              <a:t>2021-01-27</a:t>
+              <a:t>2021-02-09</a:t>
             </a:fld>
             <a:endParaRPr lang="ko-KR" altLang="en-US" dirty="0"/>
           </a:p>
@@ -610,7 +610,7 @@
           <a:p>
             <a:fld id="{85418FE3-18A8-41B3-993C-7D5C860FC228}" type="datetimeFigureOut">
               <a:rPr lang="ko-KR" altLang="en-US" smtClean="0"/>
-              <a:t>2021-01-27</a:t>
+              <a:t>2021-02-09</a:t>
             </a:fld>
             <a:endParaRPr lang="ko-KR" altLang="en-US" dirty="0"/>
           </a:p>
@@ -780,7 +780,7 @@
           <a:p>
             <a:fld id="{85418FE3-18A8-41B3-993C-7D5C860FC228}" type="datetimeFigureOut">
               <a:rPr lang="ko-KR" altLang="en-US" smtClean="0"/>
-              <a:t>2021-01-27</a:t>
+              <a:t>2021-02-09</a:t>
             </a:fld>
             <a:endParaRPr lang="ko-KR" altLang="en-US" dirty="0"/>
           </a:p>
@@ -1026,7 +1026,7 @@
           <a:p>
             <a:fld id="{85418FE3-18A8-41B3-993C-7D5C860FC228}" type="datetimeFigureOut">
               <a:rPr lang="ko-KR" altLang="en-US" smtClean="0"/>
-              <a:t>2021-01-27</a:t>
+              <a:t>2021-02-09</a:t>
             </a:fld>
             <a:endParaRPr lang="ko-KR" altLang="en-US" dirty="0"/>
           </a:p>
@@ -1258,7 +1258,7 @@
           <a:p>
             <a:fld id="{85418FE3-18A8-41B3-993C-7D5C860FC228}" type="datetimeFigureOut">
               <a:rPr lang="ko-KR" altLang="en-US" smtClean="0"/>
-              <a:t>2021-01-27</a:t>
+              <a:t>2021-02-09</a:t>
             </a:fld>
             <a:endParaRPr lang="ko-KR" altLang="en-US" dirty="0"/>
           </a:p>
@@ -1625,7 +1625,7 @@
           <a:p>
             <a:fld id="{85418FE3-18A8-41B3-993C-7D5C860FC228}" type="datetimeFigureOut">
               <a:rPr lang="ko-KR" altLang="en-US" smtClean="0"/>
-              <a:t>2021-01-27</a:t>
+              <a:t>2021-02-09</a:t>
             </a:fld>
             <a:endParaRPr lang="ko-KR" altLang="en-US" dirty="0"/>
           </a:p>
@@ -1743,7 +1743,7 @@
           <a:p>
             <a:fld id="{85418FE3-18A8-41B3-993C-7D5C860FC228}" type="datetimeFigureOut">
               <a:rPr lang="ko-KR" altLang="en-US" smtClean="0"/>
-              <a:t>2021-01-27</a:t>
+              <a:t>2021-02-09</a:t>
             </a:fld>
             <a:endParaRPr lang="ko-KR" altLang="en-US" dirty="0"/>
           </a:p>
@@ -1838,7 +1838,7 @@
           <a:p>
             <a:fld id="{85418FE3-18A8-41B3-993C-7D5C860FC228}" type="datetimeFigureOut">
               <a:rPr lang="ko-KR" altLang="en-US" smtClean="0"/>
-              <a:t>2021-01-27</a:t>
+              <a:t>2021-02-09</a:t>
             </a:fld>
             <a:endParaRPr lang="ko-KR" altLang="en-US" dirty="0"/>
           </a:p>
@@ -2115,7 +2115,7 @@
           <a:p>
             <a:fld id="{85418FE3-18A8-41B3-993C-7D5C860FC228}" type="datetimeFigureOut">
               <a:rPr lang="ko-KR" altLang="en-US" smtClean="0"/>
-              <a:t>2021-01-27</a:t>
+              <a:t>2021-02-09</a:t>
             </a:fld>
             <a:endParaRPr lang="ko-KR" altLang="en-US" dirty="0"/>
           </a:p>
@@ -2368,7 +2368,7 @@
           <a:p>
             <a:fld id="{85418FE3-18A8-41B3-993C-7D5C860FC228}" type="datetimeFigureOut">
               <a:rPr lang="ko-KR" altLang="en-US" smtClean="0"/>
-              <a:t>2021-01-27</a:t>
+              <a:t>2021-02-09</a:t>
             </a:fld>
             <a:endParaRPr lang="ko-KR" altLang="en-US" dirty="0"/>
           </a:p>
@@ -2581,7 +2581,7 @@
           <a:p>
             <a:fld id="{85418FE3-18A8-41B3-993C-7D5C860FC228}" type="datetimeFigureOut">
               <a:rPr lang="ko-KR" altLang="en-US" smtClean="0"/>
-              <a:t>2021-01-27</a:t>
+              <a:t>2021-02-09</a:t>
             </a:fld>
             <a:endParaRPr lang="ko-KR" altLang="en-US" dirty="0"/>
           </a:p>
@@ -3151,19 +3151,11 @@
             </a:r>
             <a:r>
               <a:rPr lang="en-US" altLang="ko-KR" sz="1600" dirty="0" smtClean="0"/>
-              <a:t>, </a:t>
-            </a:r>
-            <a:r>
-              <a:rPr lang="en-US" altLang="ko-KR" sz="1600" dirty="0" smtClean="0"/>
-              <a:t>ECMAScript</a:t>
+              <a:t>, ECMAScript</a:t>
             </a:r>
             <a:r>
               <a:rPr lang="ko-KR" altLang="en-US" sz="1600" dirty="0" smtClean="0"/>
-              <a:t> </a:t>
-            </a:r>
-            <a:r>
-              <a:rPr lang="ko-KR" altLang="en-US" sz="1600" dirty="0" smtClean="0"/>
-              <a:t>등 </a:t>
+              <a:t> 등 </a:t>
             </a:r>
             <a:r>
               <a:rPr lang="en-US" altLang="ko-KR" sz="1600" dirty="0" smtClean="0"/>
@@ -3369,11 +3361,7 @@
           <a:p>
             <a:r>
               <a:rPr lang="ko-KR" altLang="en-US" sz="2000" dirty="0" smtClean="0"/>
-              <a:t>스터디 </a:t>
-            </a:r>
-            <a:r>
-              <a:rPr lang="ko-KR" altLang="en-US" sz="2000" dirty="0" smtClean="0"/>
-              <a:t>목차 </a:t>
+              <a:t>스터디 목차 </a:t>
             </a:r>
             <a:r>
               <a:rPr lang="en-US" altLang="ko-KR" sz="2000" dirty="0" smtClean="0"/>
@@ -5046,11 +5034,7 @@
             </a:r>
             <a:r>
               <a:rPr lang="en-US" altLang="ko-KR" sz="2000" dirty="0" smtClean="0"/>
-              <a:t>– </a:t>
-            </a:r>
-            <a:r>
-              <a:rPr lang="en-US" altLang="ko-KR" sz="2000" dirty="0" smtClean="0"/>
-              <a:t>PART 2</a:t>
+              <a:t>– PART 2</a:t>
             </a:r>
           </a:p>
         </p:txBody>
@@ -6529,11 +6513,7 @@
           <a:p>
             <a:r>
               <a:rPr lang="ko-KR" altLang="en-US" sz="2000" dirty="0" smtClean="0"/>
-              <a:t>스터디 </a:t>
-            </a:r>
-            <a:r>
-              <a:rPr lang="ko-KR" altLang="en-US" sz="2000" dirty="0" smtClean="0"/>
-              <a:t>진도</a:t>
+              <a:t>스터디 진도</a:t>
             </a:r>
             <a:endParaRPr lang="en-US" altLang="ko-KR" sz="2000" dirty="0" smtClean="0"/>
           </a:p>
@@ -6801,55 +6781,8 @@
               <a:t>PART 1 - Chapter 05 </a:t>
             </a:r>
             <a:r>
-              <a:rPr lang="ko-KR" altLang="en-US" sz="1600" dirty="0"/>
+              <a:rPr lang="ko-KR" altLang="en-US" sz="1600" dirty="0" smtClean="0"/>
               <a:t>문법</a:t>
-            </a:r>
-            <a:endParaRPr lang="en-US" altLang="ko-KR" sz="1600" dirty="0"/>
-          </a:p>
-          <a:p>
-            <a:r>
-              <a:rPr lang="en-US" altLang="ko-KR" sz="2000" dirty="0"/>
-              <a:t>3</a:t>
-            </a:r>
-            <a:r>
-              <a:rPr lang="ko-KR" altLang="en-US" sz="2000" dirty="0"/>
-              <a:t>주차</a:t>
-            </a:r>
-            <a:endParaRPr lang="en-US" altLang="ko-KR" sz="2000" dirty="0"/>
-          </a:p>
-          <a:p>
-            <a:pPr lvl="1"/>
-            <a:r>
-              <a:rPr lang="en-US" altLang="ko-KR" sz="1600" dirty="0"/>
-              <a:t>PART 2 – Chapter 01 </a:t>
-            </a:r>
-            <a:r>
-              <a:rPr lang="ko-KR" altLang="en-US" sz="1600" dirty="0" err="1"/>
-              <a:t>스코프란</a:t>
-            </a:r>
-            <a:r>
-              <a:rPr lang="ko-KR" altLang="en-US" sz="1600" dirty="0"/>
-              <a:t> 무엇인가</a:t>
-            </a:r>
-            <a:endParaRPr lang="en-US" altLang="ko-KR" sz="1600" dirty="0"/>
-          </a:p>
-          <a:p>
-            <a:pPr lvl="1"/>
-            <a:r>
-              <a:rPr lang="en-US" altLang="ko-KR" sz="1600" dirty="0"/>
-              <a:t>PART 2 – Chapter 02 </a:t>
-            </a:r>
-            <a:r>
-              <a:rPr lang="ko-KR" altLang="en-US" sz="1600" dirty="0" err="1"/>
-              <a:t>렉시컬</a:t>
-            </a:r>
-            <a:r>
-              <a:rPr lang="ko-KR" altLang="en-US" sz="1600" dirty="0"/>
-              <a:t> </a:t>
-            </a:r>
-            <a:r>
-              <a:rPr lang="ko-KR" altLang="en-US" sz="1600" dirty="0" err="1"/>
-              <a:t>스코프</a:t>
             </a:r>
             <a:endParaRPr lang="en-US" altLang="ko-KR" sz="1600" dirty="0"/>
           </a:p>
@@ -7042,72 +6975,108 @@
           </a:lstStyle>
           <a:p>
             <a:r>
+              <a:rPr lang="en-US" altLang="ko-KR" sz="2000" dirty="0"/>
+              <a:t>3</a:t>
+            </a:r>
+            <a:r>
+              <a:rPr lang="ko-KR" altLang="en-US" sz="2000" dirty="0"/>
+              <a:t>주차</a:t>
+            </a:r>
+            <a:endParaRPr lang="en-US" altLang="ko-KR" sz="2000" dirty="0"/>
+          </a:p>
+          <a:p>
+            <a:pPr lvl="1"/>
+            <a:r>
+              <a:rPr lang="en-US" altLang="ko-KR" sz="1600" dirty="0"/>
+              <a:t>PART 2 – Chapter 01 </a:t>
+            </a:r>
+            <a:r>
+              <a:rPr lang="ko-KR" altLang="en-US" sz="1600" dirty="0" err="1"/>
+              <a:t>스코프란</a:t>
+            </a:r>
+            <a:r>
+              <a:rPr lang="ko-KR" altLang="en-US" sz="1600" dirty="0"/>
+              <a:t> 무엇인가</a:t>
+            </a:r>
+            <a:endParaRPr lang="en-US" altLang="ko-KR" sz="1600" dirty="0"/>
+          </a:p>
+          <a:p>
+            <a:pPr lvl="1"/>
+            <a:r>
+              <a:rPr lang="en-US" altLang="ko-KR" sz="1600" dirty="0"/>
+              <a:t>PART 2 – Chapter 02 </a:t>
+            </a:r>
+            <a:r>
+              <a:rPr lang="ko-KR" altLang="en-US" sz="1600" dirty="0" err="1"/>
+              <a:t>렉시컬</a:t>
+            </a:r>
+            <a:r>
+              <a:rPr lang="ko-KR" altLang="en-US" sz="1600" dirty="0"/>
+              <a:t> </a:t>
+            </a:r>
+            <a:r>
+              <a:rPr lang="ko-KR" altLang="en-US" sz="1600" dirty="0" err="1" smtClean="0"/>
+              <a:t>스코프</a:t>
+            </a:r>
+            <a:endParaRPr lang="en-US" altLang="ko-KR" sz="1600" dirty="0" smtClean="0"/>
+          </a:p>
+          <a:p>
+            <a:pPr lvl="1"/>
+            <a:r>
+              <a:rPr lang="en-US" altLang="ko-KR" sz="1600" dirty="0"/>
+              <a:t>PART 2 – Chapter 03 </a:t>
+            </a:r>
+            <a:r>
+              <a:rPr lang="ko-KR" altLang="en-US" sz="1600" dirty="0"/>
+              <a:t>함수 </a:t>
+            </a:r>
+            <a:r>
+              <a:rPr lang="en-US" altLang="ko-KR" sz="1600" dirty="0"/>
+              <a:t>vs </a:t>
+            </a:r>
+            <a:r>
+              <a:rPr lang="ko-KR" altLang="en-US" sz="1600" dirty="0"/>
+              <a:t>블록 </a:t>
+            </a:r>
+            <a:r>
+              <a:rPr lang="ko-KR" altLang="en-US" sz="1600" dirty="0" err="1"/>
+              <a:t>스코프</a:t>
+            </a:r>
+            <a:endParaRPr lang="en-US" altLang="ko-KR" sz="2000" dirty="0" smtClean="0"/>
+          </a:p>
+          <a:p>
+            <a:r>
               <a:rPr lang="en-US" altLang="ko-KR" sz="2000" dirty="0" smtClean="0"/>
               <a:t>4</a:t>
             </a:r>
             <a:r>
-              <a:rPr lang="ko-KR" altLang="en-US" sz="2000" dirty="0"/>
+              <a:rPr lang="ko-KR" altLang="en-US" sz="2000" dirty="0" smtClean="0"/>
               <a:t>주차</a:t>
             </a:r>
-            <a:endParaRPr lang="en-US" altLang="ko-KR" sz="2000" dirty="0"/>
+            <a:endParaRPr lang="en-US" altLang="ko-KR" sz="1600" dirty="0"/>
           </a:p>
           <a:p>
             <a:pPr lvl="1"/>
             <a:r>
               <a:rPr lang="en-US" altLang="ko-KR" sz="1600" dirty="0"/>
-              <a:t>PART 2 – Chapter 03 </a:t>
-            </a:r>
-            <a:r>
-              <a:rPr lang="ko-KR" altLang="en-US" sz="1600" dirty="0"/>
-              <a:t>함수 </a:t>
-            </a:r>
+              <a:t>PART 2 – Chapter 04 </a:t>
+            </a:r>
+            <a:r>
+              <a:rPr lang="ko-KR" altLang="en-US" sz="1600" dirty="0" err="1" smtClean="0"/>
+              <a:t>호이스팅</a:t>
+            </a:r>
+            <a:endParaRPr lang="en-US" altLang="ko-KR" sz="1600" dirty="0" smtClean="0"/>
+          </a:p>
+          <a:p>
+            <a:pPr lvl="1"/>
             <a:r>
               <a:rPr lang="en-US" altLang="ko-KR" sz="1600" dirty="0"/>
-              <a:t>vs </a:t>
-            </a:r>
-            <a:r>
-              <a:rPr lang="ko-KR" altLang="en-US" sz="1600" dirty="0"/>
-              <a:t>블록 </a:t>
+              <a:t>PART 2 – Chapter 05 </a:t>
             </a:r>
             <a:r>
               <a:rPr lang="ko-KR" altLang="en-US" sz="1600" dirty="0" err="1"/>
               <a:t>스코프</a:t>
             </a:r>
-            <a:endParaRPr lang="en-US" altLang="ko-KR" sz="1600" dirty="0"/>
-          </a:p>
-          <a:p>
-            <a:pPr lvl="1"/>
-            <a:r>
-              <a:rPr lang="en-US" altLang="ko-KR" sz="1600" dirty="0"/>
-              <a:t>PART 2 – Chapter 04 </a:t>
-            </a:r>
-            <a:r>
-              <a:rPr lang="ko-KR" altLang="en-US" sz="1600" dirty="0" err="1"/>
-              <a:t>호이스팅</a:t>
-            </a:r>
-            <a:endParaRPr lang="en-US" altLang="ko-KR" sz="1600" dirty="0"/>
-          </a:p>
-          <a:p>
-            <a:r>
-              <a:rPr lang="en-US" altLang="ko-KR" sz="2000" dirty="0"/>
-              <a:t>5</a:t>
-            </a:r>
-            <a:r>
-              <a:rPr lang="ko-KR" altLang="en-US" sz="2000" dirty="0"/>
-              <a:t>주차</a:t>
-            </a:r>
-            <a:endParaRPr lang="en-US" altLang="ko-KR" sz="2000" dirty="0"/>
-          </a:p>
-          <a:p>
-            <a:pPr lvl="1"/>
-            <a:r>
-              <a:rPr lang="en-US" altLang="ko-KR" sz="1600" dirty="0"/>
-              <a:t>PART 2 – Chapter 05 </a:t>
-            </a:r>
-            <a:r>
-              <a:rPr lang="ko-KR" altLang="en-US" sz="1600" dirty="0" err="1"/>
-              <a:t>스코프</a:t>
-            </a:r>
             <a:r>
               <a:rPr lang="ko-KR" altLang="en-US" sz="1600" dirty="0"/>
               <a:t> </a:t>
@@ -7121,14 +7090,14 @@
           <a:p>
             <a:pPr lvl="1"/>
             <a:r>
-              <a:rPr lang="ko-KR" altLang="en-US" sz="1600" dirty="0"/>
+              <a:rPr lang="ko-KR" altLang="en-US" sz="1600" dirty="0" smtClean="0"/>
               <a:t>부록</a:t>
             </a:r>
-            <a:endParaRPr lang="en-US" altLang="ko-KR" sz="1400" dirty="0"/>
-          </a:p>
-          <a:p>
-            <a:r>
-              <a:rPr lang="en-US" altLang="ko-KR" sz="2000" dirty="0"/>
+            <a:endParaRPr lang="en-US" altLang="ko-KR" sz="1600" dirty="0"/>
+          </a:p>
+          <a:p>
+            <a:r>
+              <a:rPr lang="en-US" altLang="ko-KR" sz="2000" dirty="0" smtClean="0"/>
               <a:t>2</a:t>
             </a:r>
             <a:r>
